--- a/WEB_project.pptx
+++ b/WEB_project.pptx
@@ -3481,7 +3481,7 @@
           <a:p>
             <a:r>
               <a:rPr lang="ru-RU" dirty="0"/>
-              <a:t>Удобство использование </a:t>
+              <a:t>Удобство использования</a:t>
             </a:r>
           </a:p>
           <a:p>
